--- a/ЛБ2_хтс/Delphi/ЛБ_2_delphi_app.pptx
+++ b/ЛБ2_хтс/Delphi/ЛБ_2_delphi_app.pptx
@@ -216,7 +216,7 @@
           <a:p>
             <a:fld id="{3A960DF9-DE47-4E4A-B265-34572ADD54FA}" type="datetimeFigureOut">
               <a:rPr lang="ru-RU" smtClean="0"/>
-              <a:t>08.03.2020</a:t>
+              <a:t>09.03.2020</a:t>
             </a:fld>
             <a:endParaRPr lang="ru-RU"/>
           </a:p>
@@ -1286,7 +1286,7 @@
           <a:p>
             <a:fld id="{01638D28-19CB-4FAE-9550-B87ED5489EA0}" type="datetime1">
               <a:rPr lang="ru-RU" smtClean="0"/>
-              <a:t>08.03.2020</a:t>
+              <a:t>09.03.2020</a:t>
             </a:fld>
             <a:endParaRPr lang="ru-RU"/>
           </a:p>
@@ -1456,7 +1456,7 @@
           <a:p>
             <a:fld id="{5FE6677C-6E8F-436D-A3C0-5774BF220D66}" type="datetime1">
               <a:rPr lang="ru-RU" smtClean="0"/>
-              <a:t>08.03.2020</a:t>
+              <a:t>09.03.2020</a:t>
             </a:fld>
             <a:endParaRPr lang="ru-RU"/>
           </a:p>
@@ -1636,7 +1636,7 @@
           <a:p>
             <a:fld id="{3207AA99-0083-4714-88C2-C9A915B7E3F2}" type="datetime1">
               <a:rPr lang="ru-RU" smtClean="0"/>
-              <a:t>08.03.2020</a:t>
+              <a:t>09.03.2020</a:t>
             </a:fld>
             <a:endParaRPr lang="ru-RU"/>
           </a:p>
@@ -1806,7 +1806,7 @@
           <a:p>
             <a:fld id="{83AA6F10-1DFF-45A0-B2A5-E89521E0E0F6}" type="datetime1">
               <a:rPr lang="ru-RU" smtClean="0"/>
-              <a:t>08.03.2020</a:t>
+              <a:t>09.03.2020</a:t>
             </a:fld>
             <a:endParaRPr lang="ru-RU"/>
           </a:p>
@@ -2064,7 +2064,7 @@
           <a:p>
             <a:fld id="{F2EB7287-6B8E-4993-8153-33DA0C3BBE25}" type="datetime1">
               <a:rPr lang="ru-RU" smtClean="0"/>
-              <a:t>08.03.2020</a:t>
+              <a:t>09.03.2020</a:t>
             </a:fld>
             <a:endParaRPr lang="ru-RU"/>
           </a:p>
@@ -2296,7 +2296,7 @@
           <a:p>
             <a:fld id="{2B0D1166-EC30-46EA-8ACA-7C1747D0DDD9}" type="datetime1">
               <a:rPr lang="ru-RU" smtClean="0"/>
-              <a:t>08.03.2020</a:t>
+              <a:t>09.03.2020</a:t>
             </a:fld>
             <a:endParaRPr lang="ru-RU"/>
           </a:p>
@@ -2663,7 +2663,7 @@
           <a:p>
             <a:fld id="{6D285674-35E0-4819-89D9-DAA7EC26D547}" type="datetime1">
               <a:rPr lang="ru-RU" smtClean="0"/>
-              <a:t>08.03.2020</a:t>
+              <a:t>09.03.2020</a:t>
             </a:fld>
             <a:endParaRPr lang="ru-RU"/>
           </a:p>
@@ -2781,7 +2781,7 @@
           <a:p>
             <a:fld id="{5DB341C1-284F-4FCF-8EF1-8AAEABF17F04}" type="datetime1">
               <a:rPr lang="ru-RU" smtClean="0"/>
-              <a:t>08.03.2020</a:t>
+              <a:t>09.03.2020</a:t>
             </a:fld>
             <a:endParaRPr lang="ru-RU"/>
           </a:p>
@@ -2876,7 +2876,7 @@
           <a:p>
             <a:fld id="{9434A572-EFFC-486D-B197-147F4721CFA3}" type="datetime1">
               <a:rPr lang="ru-RU" smtClean="0"/>
-              <a:t>08.03.2020</a:t>
+              <a:t>09.03.2020</a:t>
             </a:fld>
             <a:endParaRPr lang="ru-RU"/>
           </a:p>
@@ -3153,7 +3153,7 @@
           <a:p>
             <a:fld id="{5FA37F02-EF3C-4799-AE4D-B4C7A5E5C79F}" type="datetime1">
               <a:rPr lang="ru-RU" smtClean="0"/>
-              <a:t>08.03.2020</a:t>
+              <a:t>09.03.2020</a:t>
             </a:fld>
             <a:endParaRPr lang="ru-RU"/>
           </a:p>
@@ -3410,7 +3410,7 @@
           <a:p>
             <a:fld id="{BE9F2DA6-2692-49BF-84EF-4287402EC2DF}" type="datetime1">
               <a:rPr lang="ru-RU" smtClean="0"/>
-              <a:t>08.03.2020</a:t>
+              <a:t>09.03.2020</a:t>
             </a:fld>
             <a:endParaRPr lang="ru-RU"/>
           </a:p>
@@ -3623,7 +3623,7 @@
           <a:p>
             <a:fld id="{606B48B0-CF22-467F-9224-AB92A8FE570F}" type="datetime1">
               <a:rPr lang="ru-RU" smtClean="0"/>
-              <a:t>08.03.2020</a:t>
+              <a:t>09.03.2020</a:t>
             </a:fld>
             <a:endParaRPr lang="ru-RU"/>
           </a:p>
